--- a/present.pptx
+++ b/present.pptx
@@ -3642,7 +3642,7 @@
           </a:ln>
           <a:extLst>
             <a:ext uri="{C572A759-6A51-4108-AA02-DFA0A04FC94B}">
-              <ma14:wrappingTextBoxFlag xmlns:ma14="http://schemas.microsoft.com/office/mac/drawingml/2011/main" xmlns:a14="http://schemas.microsoft.com/office/drawing/2010/main" xmlns:m="http://schemas.openxmlformats.org/officeDocument/2006/math" xmlns="" val="1"/>
+              <ma14:wrappingTextBoxFlag xmlns="" xmlns:m="http://schemas.openxmlformats.org/officeDocument/2006/math" xmlns:a14="http://schemas.microsoft.com/office/drawing/2010/main" xmlns:ma14="http://schemas.microsoft.com/office/mac/drawingml/2011/main" val="1"/>
             </a:ext>
           </a:extLst>
         </p:spPr>
@@ -3679,7 +3679,7 @@
           </a:ln>
           <a:extLst>
             <a:ext uri="{C572A759-6A51-4108-AA02-DFA0A04FC94B}">
-              <ma14:wrappingTextBoxFlag xmlns:ma14="http://schemas.microsoft.com/office/mac/drawingml/2011/main" xmlns:a14="http://schemas.microsoft.com/office/drawing/2010/main" xmlns:m="http://schemas.openxmlformats.org/officeDocument/2006/math" xmlns="" val="1"/>
+              <ma14:wrappingTextBoxFlag xmlns="" xmlns:m="http://schemas.openxmlformats.org/officeDocument/2006/math" xmlns:a14="http://schemas.microsoft.com/office/drawing/2010/main" xmlns:ma14="http://schemas.microsoft.com/office/mac/drawingml/2011/main" val="1"/>
             </a:ext>
           </a:extLst>
         </p:spPr>
@@ -4486,7 +4486,7 @@
           </a:prstGeom>
           <a:extLst>
             <a:ext uri="{C572A759-6A51-4108-AA02-DFA0A04FC94B}">
-              <ma14:wrappingTextBoxFlag xmlns:ma14="http://schemas.microsoft.com/office/mac/drawingml/2011/main" xmlns:a14="http://schemas.microsoft.com/office/drawing/2010/main" xmlns:m="http://schemas.openxmlformats.org/officeDocument/2006/math" xmlns="" val="1"/>
+              <ma14:wrappingTextBoxFlag xmlns="" xmlns:m="http://schemas.openxmlformats.org/officeDocument/2006/math" xmlns:a14="http://schemas.microsoft.com/office/drawing/2010/main" xmlns:ma14="http://schemas.microsoft.com/office/mac/drawingml/2011/main" val="1"/>
             </a:ext>
           </a:extLst>
         </p:spPr>
@@ -4577,7 +4577,7 @@
           </a:prstGeom>
           <a:extLst>
             <a:ext uri="{C572A759-6A51-4108-AA02-DFA0A04FC94B}">
-              <ma14:wrappingTextBoxFlag xmlns:ma14="http://schemas.microsoft.com/office/mac/drawingml/2011/main" xmlns:a14="http://schemas.microsoft.com/office/drawing/2010/main" xmlns:m="http://schemas.openxmlformats.org/officeDocument/2006/math" xmlns="" val="1"/>
+              <ma14:wrappingTextBoxFlag xmlns="" xmlns:m="http://schemas.openxmlformats.org/officeDocument/2006/math" xmlns:a14="http://schemas.microsoft.com/office/drawing/2010/main" xmlns:ma14="http://schemas.microsoft.com/office/mac/drawingml/2011/main" val="1"/>
             </a:ext>
           </a:extLst>
         </p:spPr>
@@ -4661,7 +4661,7 @@
           </a:prstGeom>
           <a:extLst>
             <a:ext uri="{C572A759-6A51-4108-AA02-DFA0A04FC94B}">
-              <ma14:wrappingTextBoxFlag xmlns:ma14="http://schemas.microsoft.com/office/mac/drawingml/2011/main" xmlns:a14="http://schemas.microsoft.com/office/drawing/2010/main" xmlns:m="http://schemas.openxmlformats.org/officeDocument/2006/math" xmlns="" val="1"/>
+              <ma14:wrappingTextBoxFlag xmlns="" xmlns:m="http://schemas.openxmlformats.org/officeDocument/2006/math" xmlns:a14="http://schemas.microsoft.com/office/drawing/2010/main" xmlns:ma14="http://schemas.microsoft.com/office/mac/drawingml/2011/main" val="1"/>
             </a:ext>
           </a:extLst>
         </p:spPr>
@@ -4802,7 +4802,7 @@
           </a:prstGeom>
           <a:extLst>
             <a:ext uri="{C572A759-6A51-4108-AA02-DFA0A04FC94B}">
-              <ma14:wrappingTextBoxFlag xmlns:ma14="http://schemas.microsoft.com/office/mac/drawingml/2011/main" xmlns:a14="http://schemas.microsoft.com/office/drawing/2010/main" xmlns:m="http://schemas.openxmlformats.org/officeDocument/2006/math" xmlns="" val="1"/>
+              <ma14:wrappingTextBoxFlag xmlns="" xmlns:m="http://schemas.openxmlformats.org/officeDocument/2006/math" xmlns:a14="http://schemas.microsoft.com/office/drawing/2010/main" xmlns:ma14="http://schemas.microsoft.com/office/mac/drawingml/2011/main" val="1"/>
             </a:ext>
           </a:extLst>
         </p:spPr>
@@ -4847,8 +4847,8 @@
           </a:p>
         </p:txBody>
       </p:sp>
-      <mc:AlternateContent xmlns:mc="http://schemas.openxmlformats.org/markup-compatibility/2006">
-        <mc:Choice xmlns:a14="http://schemas.microsoft.com/office/drawing/2010/main" Requires="a14">
+      <mc:AlternateContent xmlns:mc="http://schemas.openxmlformats.org/markup-compatibility/2006" xmlns:a14="http://schemas.microsoft.com/office/drawing/2010/main">
+        <mc:Choice Requires="a14">
           <p:sp>
             <p:nvSpPr>
               <p:cNvPr id="164" name="TextBox 1"/>
@@ -4868,7 +4868,7 @@
               </a:ln>
               <a:extLst>
                 <a:ext uri="{C572A759-6A51-4108-AA02-DFA0A04FC94B}">
-                  <ma14:wrappingTextBoxFlag xmlns:ma14="http://schemas.microsoft.com/office/mac/drawingml/2011/main" xmlns:m="http://schemas.openxmlformats.org/officeDocument/2006/math" xmlns="" val="1"/>
+                  <ma14:wrappingTextBoxFlag xmlns="" xmlns:m="http://schemas.openxmlformats.org/officeDocument/2006/math" xmlns:ma14="http://schemas.microsoft.com/office/mac/drawingml/2011/main" val="1"/>
                 </a:ext>
               </a:extLst>
             </p:spPr>
@@ -5221,7 +5221,7 @@
             </p:txBody>
           </p:sp>
         </mc:Choice>
-        <mc:Fallback>
+        <mc:Fallback xmlns="">
           <p:sp>
             <p:nvSpPr>
               <p:cNvPr id="164" name="TextBox 1"/>
@@ -5268,8 +5268,8 @@
           </p:sp>
         </mc:Fallback>
       </mc:AlternateContent>
-      <mc:AlternateContent xmlns:mc="http://schemas.openxmlformats.org/markup-compatibility/2006">
-        <mc:Choice xmlns:a14="http://schemas.microsoft.com/office/drawing/2010/main" Requires="a14">
+      <mc:AlternateContent xmlns:mc="http://schemas.openxmlformats.org/markup-compatibility/2006" xmlns:a14="http://schemas.microsoft.com/office/drawing/2010/main">
+        <mc:Choice Requires="a14">
           <p:sp>
             <p:nvSpPr>
               <p:cNvPr id="165" name="TextBox 3"/>
@@ -5289,7 +5289,7 @@
               </a:ln>
               <a:extLst>
                 <a:ext uri="{C572A759-6A51-4108-AA02-DFA0A04FC94B}">
-                  <ma14:wrappingTextBoxFlag xmlns:ma14="http://schemas.microsoft.com/office/mac/drawingml/2011/main" xmlns:m="http://schemas.openxmlformats.org/officeDocument/2006/math" xmlns="" val="1"/>
+                  <ma14:wrappingTextBoxFlag xmlns="" xmlns:m="http://schemas.openxmlformats.org/officeDocument/2006/math" xmlns:ma14="http://schemas.microsoft.com/office/mac/drawingml/2011/main" val="1"/>
                 </a:ext>
               </a:extLst>
             </p:spPr>
@@ -6125,7 +6125,7 @@
             </p:txBody>
           </p:sp>
         </mc:Choice>
-        <mc:Fallback>
+        <mc:Fallback xmlns="">
           <p:sp>
             <p:nvSpPr>
               <p:cNvPr id="165" name="TextBox 3"/>
@@ -6191,7 +6191,7 @@
           </a:ln>
           <a:extLst>
             <a:ext uri="{C572A759-6A51-4108-AA02-DFA0A04FC94B}">
-              <ma14:wrappingTextBoxFlag xmlns:ma14="http://schemas.microsoft.com/office/mac/drawingml/2011/main" xmlns:a14="http://schemas.microsoft.com/office/drawing/2010/main" xmlns:m="http://schemas.openxmlformats.org/officeDocument/2006/math" xmlns="" val="1"/>
+              <ma14:wrappingTextBoxFlag xmlns="" xmlns:m="http://schemas.openxmlformats.org/officeDocument/2006/math" xmlns:a14="http://schemas.microsoft.com/office/drawing/2010/main" xmlns:ma14="http://schemas.microsoft.com/office/mac/drawingml/2011/main" val="1"/>
             </a:ext>
           </a:extLst>
         </p:spPr>
@@ -6765,7 +6765,7 @@
           </a:ln>
           <a:extLst>
             <a:ext uri="{C572A759-6A51-4108-AA02-DFA0A04FC94B}">
-              <ma14:wrappingTextBoxFlag xmlns:ma14="http://schemas.microsoft.com/office/mac/drawingml/2011/main" xmlns:a14="http://schemas.microsoft.com/office/drawing/2010/main" xmlns:m="http://schemas.openxmlformats.org/officeDocument/2006/math" xmlns="" val="1"/>
+              <ma14:wrappingTextBoxFlag xmlns="" xmlns:m="http://schemas.openxmlformats.org/officeDocument/2006/math" xmlns:a14="http://schemas.microsoft.com/office/drawing/2010/main" xmlns:ma14="http://schemas.microsoft.com/office/mac/drawingml/2011/main" val="1"/>
             </a:ext>
           </a:extLst>
         </p:spPr>
@@ -6868,7 +6868,7 @@
           </a:prstGeom>
           <a:extLst>
             <a:ext uri="{C572A759-6A51-4108-AA02-DFA0A04FC94B}">
-              <ma14:wrappingTextBoxFlag xmlns:ma14="http://schemas.microsoft.com/office/mac/drawingml/2011/main" xmlns:a14="http://schemas.microsoft.com/office/drawing/2010/main" xmlns:m="http://schemas.openxmlformats.org/officeDocument/2006/math" xmlns="" val="1"/>
+              <ma14:wrappingTextBoxFlag xmlns="" xmlns:m="http://schemas.openxmlformats.org/officeDocument/2006/math" xmlns:a14="http://schemas.microsoft.com/office/drawing/2010/main" xmlns:ma14="http://schemas.microsoft.com/office/mac/drawingml/2011/main" val="1"/>
             </a:ext>
           </a:extLst>
         </p:spPr>
@@ -6967,7 +6967,7 @@
               <a:effectLst/>
               <a:extLst>
                 <a:ext uri="{C572A759-6A51-4108-AA02-DFA0A04FC94B}">
-                  <ma14:wrappingTextBoxFlag xmlns:ma14="http://schemas.microsoft.com/office/mac/drawingml/2011/main" xmlns:a14="http://schemas.microsoft.com/office/drawing/2010/main" xmlns:m="http://schemas.openxmlformats.org/officeDocument/2006/math" xmlns="" val="1"/>
+                  <ma14:wrappingTextBoxFlag xmlns="" xmlns:m="http://schemas.openxmlformats.org/officeDocument/2006/math" xmlns:a14="http://schemas.microsoft.com/office/drawing/2010/main" xmlns:ma14="http://schemas.microsoft.com/office/mac/drawingml/2011/main" val="1"/>
                 </a:ext>
               </a:extLst>
             </p:spPr>
@@ -7015,7 +7015,7 @@
               <a:effectLst/>
               <a:extLst>
                 <a:ext uri="{C572A759-6A51-4108-AA02-DFA0A04FC94B}">
-                  <ma14:wrappingTextBoxFlag xmlns:ma14="http://schemas.microsoft.com/office/mac/drawingml/2011/main" xmlns:a14="http://schemas.microsoft.com/office/drawing/2010/main" xmlns:m="http://schemas.openxmlformats.org/officeDocument/2006/math" xmlns="" val="1"/>
+                  <ma14:wrappingTextBoxFlag xmlns="" xmlns:m="http://schemas.openxmlformats.org/officeDocument/2006/math" xmlns:a14="http://schemas.microsoft.com/office/drawing/2010/main" xmlns:ma14="http://schemas.microsoft.com/office/mac/drawingml/2011/main" val="1"/>
                 </a:ext>
               </a:extLst>
             </p:spPr>
@@ -7063,7 +7063,7 @@
               <a:effectLst/>
               <a:extLst>
                 <a:ext uri="{C572A759-6A51-4108-AA02-DFA0A04FC94B}">
-                  <ma14:wrappingTextBoxFlag xmlns:ma14="http://schemas.microsoft.com/office/mac/drawingml/2011/main" xmlns:a14="http://schemas.microsoft.com/office/drawing/2010/main" xmlns:m="http://schemas.openxmlformats.org/officeDocument/2006/math" xmlns="" val="1"/>
+                  <ma14:wrappingTextBoxFlag xmlns="" xmlns:m="http://schemas.openxmlformats.org/officeDocument/2006/math" xmlns:a14="http://schemas.microsoft.com/office/drawing/2010/main" xmlns:ma14="http://schemas.microsoft.com/office/mac/drawingml/2011/main" val="1"/>
                 </a:ext>
               </a:extLst>
             </p:spPr>
@@ -7111,7 +7111,7 @@
               <a:effectLst/>
               <a:extLst>
                 <a:ext uri="{C572A759-6A51-4108-AA02-DFA0A04FC94B}">
-                  <ma14:wrappingTextBoxFlag xmlns:ma14="http://schemas.microsoft.com/office/mac/drawingml/2011/main" xmlns:a14="http://schemas.microsoft.com/office/drawing/2010/main" xmlns:m="http://schemas.openxmlformats.org/officeDocument/2006/math" xmlns="" val="1"/>
+                  <ma14:wrappingTextBoxFlag xmlns="" xmlns:m="http://schemas.openxmlformats.org/officeDocument/2006/math" xmlns:a14="http://schemas.microsoft.com/office/drawing/2010/main" xmlns:ma14="http://schemas.microsoft.com/office/mac/drawingml/2011/main" val="1"/>
                 </a:ext>
               </a:extLst>
             </p:spPr>
@@ -8436,7 +8436,7 @@
           </a:ln>
           <a:extLst>
             <a:ext uri="{C572A759-6A51-4108-AA02-DFA0A04FC94B}">
-              <ma14:wrappingTextBoxFlag xmlns:ma14="http://schemas.microsoft.com/office/mac/drawingml/2011/main" xmlns:a14="http://schemas.microsoft.com/office/drawing/2010/main" xmlns:m="http://schemas.openxmlformats.org/officeDocument/2006/math" xmlns="" val="1"/>
+              <ma14:wrappingTextBoxFlag xmlns="" xmlns:m="http://schemas.openxmlformats.org/officeDocument/2006/math" xmlns:a14="http://schemas.microsoft.com/office/drawing/2010/main" xmlns:ma14="http://schemas.microsoft.com/office/mac/drawingml/2011/main" val="1"/>
             </a:ext>
           </a:extLst>
         </p:spPr>
@@ -8477,7 +8477,7 @@
           </a:ln>
           <a:extLst>
             <a:ext uri="{C572A759-6A51-4108-AA02-DFA0A04FC94B}">
-              <ma14:wrappingTextBoxFlag xmlns:ma14="http://schemas.microsoft.com/office/mac/drawingml/2011/main" xmlns:a14="http://schemas.microsoft.com/office/drawing/2010/main" xmlns:m="http://schemas.openxmlformats.org/officeDocument/2006/math" xmlns="" val="1"/>
+              <ma14:wrappingTextBoxFlag xmlns="" xmlns:m="http://schemas.openxmlformats.org/officeDocument/2006/math" xmlns:a14="http://schemas.microsoft.com/office/drawing/2010/main" xmlns:ma14="http://schemas.microsoft.com/office/mac/drawingml/2011/main" val="1"/>
             </a:ext>
           </a:extLst>
         </p:spPr>
@@ -8554,7 +8554,7 @@
               <a:effectLst/>
               <a:extLst>
                 <a:ext uri="{C572A759-6A51-4108-AA02-DFA0A04FC94B}">
-                  <ma14:wrappingTextBoxFlag xmlns:ma14="http://schemas.microsoft.com/office/mac/drawingml/2011/main" xmlns:a14="http://schemas.microsoft.com/office/drawing/2010/main" xmlns:m="http://schemas.openxmlformats.org/officeDocument/2006/math" xmlns="" val="1"/>
+                  <ma14:wrappingTextBoxFlag xmlns="" xmlns:m="http://schemas.openxmlformats.org/officeDocument/2006/math" xmlns:a14="http://schemas.microsoft.com/office/drawing/2010/main" xmlns:ma14="http://schemas.microsoft.com/office/mac/drawingml/2011/main" val="1"/>
                 </a:ext>
               </a:extLst>
             </p:spPr>
@@ -8739,7 +8739,7 @@
                 <a:effectLst/>
                 <a:extLst>
                   <a:ext uri="{C572A759-6A51-4108-AA02-DFA0A04FC94B}">
-                    <ma14:wrappingTextBoxFlag xmlns:ma14="http://schemas.microsoft.com/office/mac/drawingml/2011/main" xmlns:a14="http://schemas.microsoft.com/office/drawing/2010/main" xmlns:m="http://schemas.openxmlformats.org/officeDocument/2006/math" xmlns="" val="1"/>
+                    <ma14:wrappingTextBoxFlag xmlns="" xmlns:m="http://schemas.openxmlformats.org/officeDocument/2006/math" xmlns:a14="http://schemas.microsoft.com/office/drawing/2010/main" xmlns:ma14="http://schemas.microsoft.com/office/mac/drawingml/2011/main" val="1"/>
                   </a:ext>
                 </a:extLst>
               </p:spPr>
@@ -8904,7 +8904,7 @@
                 <a:effectLst/>
                 <a:extLst>
                   <a:ext uri="{C572A759-6A51-4108-AA02-DFA0A04FC94B}">
-                    <ma14:wrappingTextBoxFlag xmlns:ma14="http://schemas.microsoft.com/office/mac/drawingml/2011/main" xmlns:a14="http://schemas.microsoft.com/office/drawing/2010/main" xmlns:m="http://schemas.openxmlformats.org/officeDocument/2006/math" xmlns="" val="1"/>
+                    <ma14:wrappingTextBoxFlag xmlns="" xmlns:m="http://schemas.openxmlformats.org/officeDocument/2006/math" xmlns:a14="http://schemas.microsoft.com/office/drawing/2010/main" xmlns:ma14="http://schemas.microsoft.com/office/mac/drawingml/2011/main" val="1"/>
                   </a:ext>
                 </a:extLst>
               </p:spPr>
@@ -9069,7 +9069,7 @@
                 <a:effectLst/>
                 <a:extLst>
                   <a:ext uri="{C572A759-6A51-4108-AA02-DFA0A04FC94B}">
-                    <ma14:wrappingTextBoxFlag xmlns:ma14="http://schemas.microsoft.com/office/mac/drawingml/2011/main" xmlns:a14="http://schemas.microsoft.com/office/drawing/2010/main" xmlns:m="http://schemas.openxmlformats.org/officeDocument/2006/math" xmlns="" val="1"/>
+                    <ma14:wrappingTextBoxFlag xmlns="" xmlns:m="http://schemas.openxmlformats.org/officeDocument/2006/math" xmlns:a14="http://schemas.microsoft.com/office/drawing/2010/main" xmlns:ma14="http://schemas.microsoft.com/office/mac/drawingml/2011/main" val="1"/>
                   </a:ext>
                 </a:extLst>
               </p:spPr>
@@ -9556,7 +9556,7 @@
           </a:ln>
           <a:extLst>
             <a:ext uri="{C572A759-6A51-4108-AA02-DFA0A04FC94B}">
-              <ma14:wrappingTextBoxFlag xmlns:ma14="http://schemas.microsoft.com/office/mac/drawingml/2011/main" xmlns:a14="http://schemas.microsoft.com/office/drawing/2010/main" xmlns:m="http://schemas.openxmlformats.org/officeDocument/2006/math" xmlns="" val="1"/>
+              <ma14:wrappingTextBoxFlag xmlns="" xmlns:m="http://schemas.openxmlformats.org/officeDocument/2006/math" xmlns:a14="http://schemas.microsoft.com/office/drawing/2010/main" xmlns:ma14="http://schemas.microsoft.com/office/mac/drawingml/2011/main" val="1"/>
             </a:ext>
           </a:extLst>
         </p:spPr>
@@ -9627,7 +9627,7 @@
           </a:prstGeom>
           <a:extLst>
             <a:ext uri="{C572A759-6A51-4108-AA02-DFA0A04FC94B}">
-              <ma14:wrappingTextBoxFlag xmlns:ma14="http://schemas.microsoft.com/office/mac/drawingml/2011/main" xmlns:a14="http://schemas.microsoft.com/office/drawing/2010/main" xmlns:m="http://schemas.openxmlformats.org/officeDocument/2006/math" xmlns="" val="1"/>
+              <ma14:wrappingTextBoxFlag xmlns="" xmlns:m="http://schemas.openxmlformats.org/officeDocument/2006/math" xmlns:a14="http://schemas.microsoft.com/office/drawing/2010/main" xmlns:ma14="http://schemas.microsoft.com/office/mac/drawingml/2011/main" val="1"/>
             </a:ext>
           </a:extLst>
         </p:spPr>
@@ -9762,7 +9762,7 @@
           </a:ln>
           <a:extLst>
             <a:ext uri="{C572A759-6A51-4108-AA02-DFA0A04FC94B}">
-              <ma14:wrappingTextBoxFlag xmlns:ma14="http://schemas.microsoft.com/office/mac/drawingml/2011/main" xmlns:a14="http://schemas.microsoft.com/office/drawing/2010/main" xmlns:m="http://schemas.openxmlformats.org/officeDocument/2006/math" xmlns="" val="1"/>
+              <ma14:wrappingTextBoxFlag xmlns="" xmlns:m="http://schemas.openxmlformats.org/officeDocument/2006/math" xmlns:a14="http://schemas.microsoft.com/office/drawing/2010/main" xmlns:ma14="http://schemas.microsoft.com/office/mac/drawingml/2011/main" val="1"/>
             </a:ext>
           </a:extLst>
         </p:spPr>
@@ -9782,45 +9782,54 @@
               <a:defRPr spc="-50"/>
             </a:pPr>
             <a:r>
-              <a:rPr dirty="0"/>
+              <a:rPr lang="en-US" altLang="zh-CN" dirty="0"/>
               <a:t>Our </a:t>
             </a:r>
             <a:r>
-              <a:rPr i="1" dirty="0"/>
+              <a:rPr lang="en-US" altLang="zh-CN" i="1" dirty="0"/>
               <a:t>SEIR Model Building Tool </a:t>
             </a:r>
             <a:r>
-              <a:rPr dirty="0"/>
-              <a:t>allows users to change the value of various parameters and see 1) how the proportions of population change, and 2) how social distancing effects the infected proportion.</a:t>
+              <a:rPr lang="en-US" altLang="zh-CN" dirty="0"/>
+              <a:t>allows users to change the value of various parameters and see 1) how the proportions of population change, and 2) how stay-at-home effects the infected proportion.</a:t>
             </a:r>
           </a:p>
         </p:txBody>
       </p:sp>
       <p:pic>
         <p:nvPicPr>
-          <p:cNvPr id="209" name="图片 3" descr="图片 3"/>
+          <p:cNvPr id="8" name="图片 7" descr="手机截图图社交软件的信息&#10;&#10;描述已自动生成">
+            <a:extLst>
+              <a:ext uri="{FF2B5EF4-FFF2-40B4-BE49-F238E27FC236}">
+                <a16:creationId xmlns:a16="http://schemas.microsoft.com/office/drawing/2014/main" id="{0B68FBDD-4772-4780-9E57-AA648AA9A192}"/>
+              </a:ext>
+            </a:extLst>
+          </p:cNvPr>
           <p:cNvPicPr>
             <a:picLocks noChangeAspect="1"/>
           </p:cNvPicPr>
           <p:nvPr/>
         </p:nvPicPr>
         <p:blipFill>
-          <a:blip r:embed="rId3"/>
+          <a:blip r:embed="rId3" cstate="print">
+            <a:extLst>
+              <a:ext uri="{28A0092B-C50C-407E-A947-70E740481C1C}">
+                <a14:useLocalDpi xmlns:a14="http://schemas.microsoft.com/office/drawing/2010/main" val="0"/>
+              </a:ext>
+            </a:extLst>
+          </a:blip>
           <a:stretch>
             <a:fillRect/>
           </a:stretch>
         </p:blipFill>
         <p:spPr>
           <a:xfrm>
-            <a:off x="6492526" y="3711387"/>
-            <a:ext cx="3631098" cy="2135393"/>
+            <a:off x="6609221" y="3608925"/>
+            <a:ext cx="3755766" cy="2411872"/>
           </a:xfrm>
           <a:prstGeom prst="rect">
             <a:avLst/>
           </a:prstGeom>
-          <a:ln w="12700">
-            <a:miter lim="400000"/>
-          </a:ln>
         </p:spPr>
       </p:pic>
     </p:spTree>
@@ -9869,7 +9878,7 @@
           </a:prstGeom>
           <a:extLst>
             <a:ext uri="{C572A759-6A51-4108-AA02-DFA0A04FC94B}">
-              <ma14:wrappingTextBoxFlag xmlns:ma14="http://schemas.microsoft.com/office/mac/drawingml/2011/main" xmlns:a14="http://schemas.microsoft.com/office/drawing/2010/main" xmlns:m="http://schemas.openxmlformats.org/officeDocument/2006/math" xmlns="" val="1"/>
+              <ma14:wrappingTextBoxFlag xmlns="" xmlns:m="http://schemas.openxmlformats.org/officeDocument/2006/math" xmlns:a14="http://schemas.microsoft.com/office/drawing/2010/main" xmlns:ma14="http://schemas.microsoft.com/office/mac/drawingml/2011/main" val="1"/>
             </a:ext>
           </a:extLst>
         </p:spPr>
@@ -9927,16 +9936,45 @@
             </a:pPr>
             <a:r>
               <a:rPr spc="0" dirty="0"/>
-              <a:t>There are certainly many limitations in our project. First, we didn’t disassociate the effects of other orders such as shut down non-essential business. In the reality, the observed trends might be a mixed effect of orders issued in each state. Also, for SEIR model, many parameters are hard to obtain at this </a:t>
+              <a:t>There are certainly many limitations in our project. First, we didn’t disassociate the effects of other orders such as shut down non-essential business. In the reality, the observed trends might be a mixed effect of orders issued in each state. </a:t>
             </a:r>
             <a:r>
-              <a:rPr lang="en-US" spc="0" dirty="0"/>
-              <a:t>p</a:t>
+              <a:rPr lang="en-US" altLang="zh-CN" spc="0" dirty="0"/>
+              <a:t>Also, for SEIR model, some parameters are not accurate at this point. We are using data all over the world to approximate U.S. situation and</a:t>
             </a:r>
             <a:r>
-              <a:rPr spc="0" dirty="0"/>
-              <a:t>oint. Assumptions regarding them have to be made.</a:t>
+              <a:rPr lang="zh-CN" altLang="en-US" spc="0" dirty="0"/>
+              <a:t> </a:t>
             </a:r>
+            <a:r>
+              <a:rPr lang="en-US" altLang="zh-CN" spc="0" dirty="0"/>
+              <a:t>assumptions</a:t>
+            </a:r>
+            <a:r>
+              <a:rPr lang="zh-CN" altLang="en-US" spc="0" dirty="0"/>
+              <a:t> </a:t>
+            </a:r>
+            <a:r>
+              <a:rPr lang="en-US" altLang="zh-CN" spc="0" dirty="0"/>
+              <a:t>have</a:t>
+            </a:r>
+            <a:r>
+              <a:rPr lang="zh-CN" altLang="en-US" spc="0" dirty="0"/>
+              <a:t> </a:t>
+            </a:r>
+            <a:r>
+              <a:rPr lang="en-US" altLang="zh-CN" spc="0" dirty="0"/>
+              <a:t>to</a:t>
+            </a:r>
+            <a:r>
+              <a:rPr lang="zh-CN" altLang="en-US" spc="0" dirty="0"/>
+              <a:t> </a:t>
+            </a:r>
+            <a:r>
+              <a:rPr lang="en-US" altLang="zh-CN" spc="0"/>
+              <a:t>be made. </a:t>
+            </a:r>
+            <a:endParaRPr spc="0" dirty="0"/>
           </a:p>
         </p:txBody>
       </p:sp>
